--- a/Power Point/Trabajo Final - Fundamentos de Programación v2.pptx
+++ b/Power Point/Trabajo Final - Fundamentos de Programación v2.pptx
@@ -7673,12 +7673,12 @@
         </a:fontRef>
       </dsp:style>
       <dsp:txBody>
-        <a:bodyPr spcFirstLastPara="0" vert="horz" wrap="square" lIns="64770" tIns="64770" rIns="64770" bIns="64770" numCol="1" spcCol="1270" anchor="ctr" anchorCtr="0">
+        <a:bodyPr spcFirstLastPara="0" vert="horz" wrap="square" lIns="60960" tIns="60960" rIns="60960" bIns="60960" numCol="1" spcCol="1270" anchor="ctr" anchorCtr="0">
           <a:noAutofit/>
         </a:bodyPr>
         <a:lstStyle/>
         <a:p>
-          <a:pPr marL="0" lvl="0" indent="0" algn="ctr" defTabSz="755650">
+          <a:pPr marL="0" lvl="0" indent="0" algn="ctr" defTabSz="711200">
             <a:lnSpc>
               <a:spcPct val="90000"/>
             </a:lnSpc>
@@ -7691,10 +7691,10 @@
             <a:buNone/>
           </a:pPr>
           <a:r>
-            <a:rPr lang="es-PE" sz="1700" b="1" i="1" kern="1200" dirty="0"/>
+            <a:rPr lang="es-PE" sz="1600" b="1" i="1" kern="1200" dirty="0"/>
             <a:t>Mejorar la eficiencia en la toma de decisiones</a:t>
           </a:r>
-          <a:endParaRPr lang="es-PE" sz="1700" kern="1200" dirty="0"/>
+          <a:endParaRPr lang="es-PE" sz="1600" kern="1200" dirty="0"/>
         </a:p>
       </dsp:txBody>
       <dsp:txXfrm>
@@ -7809,12 +7809,12 @@
         </a:fontRef>
       </dsp:style>
       <dsp:txBody>
-        <a:bodyPr spcFirstLastPara="0" vert="horz" wrap="square" lIns="64770" tIns="64770" rIns="64770" bIns="64770" numCol="1" spcCol="1270" anchor="ctr" anchorCtr="0">
+        <a:bodyPr spcFirstLastPara="0" vert="horz" wrap="square" lIns="60960" tIns="60960" rIns="60960" bIns="60960" numCol="1" spcCol="1270" anchor="ctr" anchorCtr="0">
           <a:noAutofit/>
         </a:bodyPr>
         <a:lstStyle/>
         <a:p>
-          <a:pPr marL="0" lvl="0" indent="0" algn="ctr" defTabSz="755650">
+          <a:pPr marL="0" lvl="0" indent="0" algn="ctr" defTabSz="711200">
             <a:lnSpc>
               <a:spcPct val="90000"/>
             </a:lnSpc>
@@ -7827,10 +7827,10 @@
             <a:buNone/>
           </a:pPr>
           <a:r>
-            <a:rPr lang="es-PE" sz="1700" b="1" i="1" kern="1200" dirty="0"/>
+            <a:rPr lang="es-PE" sz="1600" b="1" i="1" kern="1200" dirty="0"/>
             <a:t>Optimizar la asignación de recursos</a:t>
           </a:r>
-          <a:endParaRPr lang="es-PE" sz="1700" kern="1200" dirty="0"/>
+          <a:endParaRPr lang="es-PE" sz="1600" kern="1200" dirty="0"/>
         </a:p>
       </dsp:txBody>
       <dsp:txXfrm>
@@ -7945,12 +7945,12 @@
         </a:fontRef>
       </dsp:style>
       <dsp:txBody>
-        <a:bodyPr spcFirstLastPara="0" vert="horz" wrap="square" lIns="64770" tIns="64770" rIns="64770" bIns="64770" numCol="1" spcCol="1270" anchor="ctr" anchorCtr="0">
+        <a:bodyPr spcFirstLastPara="0" vert="horz" wrap="square" lIns="60960" tIns="60960" rIns="60960" bIns="60960" numCol="1" spcCol="1270" anchor="ctr" anchorCtr="0">
           <a:noAutofit/>
         </a:bodyPr>
         <a:lstStyle/>
         <a:p>
-          <a:pPr marL="0" lvl="0" indent="0" algn="ctr" defTabSz="755650">
+          <a:pPr marL="0" lvl="0" indent="0" algn="ctr" defTabSz="711200">
             <a:lnSpc>
               <a:spcPct val="90000"/>
             </a:lnSpc>
@@ -7963,10 +7963,10 @@
             <a:buNone/>
           </a:pPr>
           <a:r>
-            <a:rPr lang="es-PE" sz="1700" b="1" i="1" kern="1200" dirty="0"/>
+            <a:rPr lang="es-PE" sz="1600" b="1" i="1" kern="1200" dirty="0"/>
             <a:t>Aumentar la eficacia de la publicidad y el marketing</a:t>
           </a:r>
-          <a:endParaRPr lang="es-PE" sz="1700" kern="1200" dirty="0"/>
+          <a:endParaRPr lang="es-PE" sz="1600" kern="1200" dirty="0"/>
         </a:p>
       </dsp:txBody>
       <dsp:txXfrm>
@@ -8081,12 +8081,12 @@
         </a:fontRef>
       </dsp:style>
       <dsp:txBody>
-        <a:bodyPr spcFirstLastPara="0" vert="horz" wrap="square" lIns="64770" tIns="64770" rIns="64770" bIns="64770" numCol="1" spcCol="1270" anchor="ctr" anchorCtr="0">
+        <a:bodyPr spcFirstLastPara="0" vert="horz" wrap="square" lIns="60960" tIns="60960" rIns="60960" bIns="60960" numCol="1" spcCol="1270" anchor="ctr" anchorCtr="0">
           <a:noAutofit/>
         </a:bodyPr>
         <a:lstStyle/>
         <a:p>
-          <a:pPr marL="0" lvl="0" indent="0" algn="ctr" defTabSz="755650">
+          <a:pPr marL="0" lvl="0" indent="0" algn="ctr" defTabSz="711200">
             <a:lnSpc>
               <a:spcPct val="90000"/>
             </a:lnSpc>
@@ -8099,10 +8099,10 @@
             <a:buNone/>
           </a:pPr>
           <a:r>
-            <a:rPr lang="es-PE" sz="1700" b="1" i="1" kern="1200" dirty="0"/>
+            <a:rPr lang="es-PE" sz="1600" b="1" i="1" kern="1200" dirty="0"/>
             <a:t>Construir una base de apoyo sólida</a:t>
           </a:r>
-          <a:endParaRPr lang="es-PE" sz="1700" kern="1200" dirty="0"/>
+          <a:endParaRPr lang="es-PE" sz="1600" kern="1200" dirty="0"/>
         </a:p>
       </dsp:txBody>
       <dsp:txXfrm>
@@ -8217,12 +8217,12 @@
         </a:fontRef>
       </dsp:style>
       <dsp:txBody>
-        <a:bodyPr spcFirstLastPara="0" vert="horz" wrap="square" lIns="64770" tIns="64770" rIns="64770" bIns="64770" numCol="1" spcCol="1270" anchor="ctr" anchorCtr="0">
+        <a:bodyPr spcFirstLastPara="0" vert="horz" wrap="square" lIns="60960" tIns="60960" rIns="60960" bIns="60960" numCol="1" spcCol="1270" anchor="ctr" anchorCtr="0">
           <a:noAutofit/>
         </a:bodyPr>
         <a:lstStyle/>
         <a:p>
-          <a:pPr marL="0" lvl="0" indent="0" algn="ctr" defTabSz="755650">
+          <a:pPr marL="0" lvl="0" indent="0" algn="ctr" defTabSz="711200">
             <a:lnSpc>
               <a:spcPct val="90000"/>
             </a:lnSpc>
@@ -8235,10 +8235,10 @@
             <a:buNone/>
           </a:pPr>
           <a:r>
-            <a:rPr lang="es-PE" sz="1700" b="1" i="1" kern="1200" dirty="0"/>
+            <a:rPr lang="es-PE" sz="1600" b="1" i="1" kern="1200" dirty="0"/>
             <a:t>Mejorar la Relevancia de los Mensajes y Políticas</a:t>
           </a:r>
-          <a:endParaRPr lang="es-PE" sz="1700" kern="1200" dirty="0"/>
+          <a:endParaRPr lang="es-PE" sz="1600" kern="1200" dirty="0"/>
         </a:p>
       </dsp:txBody>
       <dsp:txXfrm>
@@ -14985,7 +14985,7 @@
             <a:fld id="{7663E9E0-D922-418E-8BFA-E41C87CB1E68}" type="datetimeFigureOut">
               <a:rPr lang="en-US" smtClean="0"/>
               <a:pPr/>
-              <a:t>12/3/2023</a:t>
+              <a:t>12/5/2023</a:t>
             </a:fld>
             <a:endParaRPr lang="en-US" dirty="0"/>
           </a:p>
@@ -41166,7 +41166,7 @@
         <p:spPr>
           <a:xfrm>
             <a:off x="508001" y="1224325"/>
-            <a:ext cx="10867761" cy="2677656"/>
+            <a:ext cx="10867761" cy="2646878"/>
           </a:xfrm>
           <a:prstGeom prst="rect">
             <a:avLst/>
@@ -41212,17 +41212,23 @@
                 <a:effectLst/>
                 <a:latin typeface="Arial" panose="020B0604020202020204" pitchFamily="34" charset="0"/>
                 <a:ea typeface="Arial" panose="020B0604020202020204" pitchFamily="34" charset="0"/>
-                <a:hlinkClick r:id="rId3">
-                  <a:extLst>
-                    <a:ext uri="{A12FA001-AC4F-418D-AE19-62706E023703}">
-                      <ahyp:hlinkClr xmlns:ahyp="http://schemas.microsoft.com/office/drawing/2018/hyperlinkcolor" val="tx"/>
-                    </a:ext>
-                  </a:extLst>
-                </a:hlinkClick>
               </a:rPr>
-              <a:t>https://github.com/efrainrodriguez5/upc2023.git</a:t>
+              <a:t>https://github.com/T0tk/TrabajoFinal2</a:t>
             </a:r>
-            <a:endParaRPr lang="es-PE" sz="1800" dirty="0">
+            <a:r>
+              <a:rPr lang="en-US" sz="1800" u="sng">
+                <a:solidFill>
+                  <a:schemeClr val="bg1">
+                    <a:lumMod val="50000"/>
+                  </a:schemeClr>
+                </a:solidFill>
+                <a:effectLst/>
+                <a:latin typeface="Arial" panose="020B0604020202020204" pitchFamily="34" charset="0"/>
+                <a:ea typeface="Arial" panose="020B0604020202020204" pitchFamily="34" charset="0"/>
+              </a:rPr>
+              <a:t>.git</a:t>
+            </a:r>
+            <a:endParaRPr lang="en-US" sz="1800" u="sng" dirty="0">
               <a:solidFill>
                 <a:schemeClr val="bg1">
                   <a:lumMod val="50000"/>
@@ -41234,16 +41240,20 @@
             </a:endParaRPr>
           </a:p>
           <a:p>
-            <a:pPr marL="342900" lvl="0" indent="-342900" algn="just">
-              <a:spcBef>
-                <a:spcPts val="1200"/>
-              </a:spcBef>
-              <a:spcAft>
-                <a:spcPts val="1200"/>
-              </a:spcAft>
-              <a:buFont typeface="Symbol" panose="05050102010706020507" pitchFamily="18" charset="2"/>
-              <a:buChar char=""/>
-            </a:pPr>
+            <a:pPr algn="l"/>
+            <a:endParaRPr lang="en-US" sz="1800" u="sng" dirty="0">
+              <a:solidFill>
+                <a:schemeClr val="bg1">
+                  <a:lumMod val="50000"/>
+                </a:schemeClr>
+              </a:solidFill>
+              <a:effectLst/>
+              <a:latin typeface="Arial" panose="020B0604020202020204" pitchFamily="34" charset="0"/>
+              <a:ea typeface="Arial" panose="020B0604020202020204" pitchFamily="34" charset="0"/>
+            </a:endParaRPr>
+          </a:p>
+          <a:p>
+            <a:pPr algn="l"/>
             <a:r>
               <a:rPr lang="es-ES" dirty="0">
                 <a:solidFill>
@@ -44845,6 +44855,184 @@
           </a:p>
         </p:txBody>
       </p:sp>
+      <p:pic>
+        <p:nvPicPr>
+          <p:cNvPr id="10" name="Imagen 9">
+            <a:extLst>
+              <a:ext uri="{FF2B5EF4-FFF2-40B4-BE49-F238E27FC236}">
+                <a16:creationId xmlns:a16="http://schemas.microsoft.com/office/drawing/2014/main" id="{59E1346A-6474-4D5D-90C1-19865A3A150E}"/>
+              </a:ext>
+            </a:extLst>
+          </p:cNvPr>
+          <p:cNvPicPr/>
+          <p:nvPr/>
+        </p:nvPicPr>
+        <p:blipFill>
+          <a:blip r:embed="rId3"/>
+          <a:stretch>
+            <a:fillRect/>
+          </a:stretch>
+        </p:blipFill>
+        <p:spPr>
+          <a:xfrm>
+            <a:off x="508001" y="1698936"/>
+            <a:ext cx="4648401" cy="4572000"/>
+          </a:xfrm>
+          <a:prstGeom prst="rect">
+            <a:avLst/>
+          </a:prstGeom>
+        </p:spPr>
+      </p:pic>
+      <p:pic>
+        <p:nvPicPr>
+          <p:cNvPr id="11" name="Imagen 10">
+            <a:extLst>
+              <a:ext uri="{FF2B5EF4-FFF2-40B4-BE49-F238E27FC236}">
+                <a16:creationId xmlns:a16="http://schemas.microsoft.com/office/drawing/2014/main" id="{AAB107FC-B233-44AD-BAD3-AAE76B5D1499}"/>
+              </a:ext>
+            </a:extLst>
+          </p:cNvPr>
+          <p:cNvPicPr/>
+          <p:nvPr/>
+        </p:nvPicPr>
+        <p:blipFill>
+          <a:blip r:embed="rId4">
+            <a:extLst>
+              <a:ext uri="{28A0092B-C50C-407E-A947-70E740481C1C}">
+                <a14:useLocalDpi xmlns:a14="http://schemas.microsoft.com/office/drawing/2010/main" val="0"/>
+              </a:ext>
+            </a:extLst>
+          </a:blip>
+          <a:stretch>
+            <a:fillRect/>
+          </a:stretch>
+        </p:blipFill>
+        <p:spPr>
+          <a:xfrm>
+            <a:off x="8839200" y="4040481"/>
+            <a:ext cx="2826618" cy="2230455"/>
+          </a:xfrm>
+          <a:prstGeom prst="rect">
+            <a:avLst/>
+          </a:prstGeom>
+        </p:spPr>
+      </p:pic>
+      <p:pic>
+        <p:nvPicPr>
+          <p:cNvPr id="13" name="Imagen 12">
+            <a:extLst>
+              <a:ext uri="{FF2B5EF4-FFF2-40B4-BE49-F238E27FC236}">
+                <a16:creationId xmlns:a16="http://schemas.microsoft.com/office/drawing/2014/main" id="{3DE0EEEE-40FE-4223-9242-6A5A03D3EABA}"/>
+              </a:ext>
+            </a:extLst>
+          </p:cNvPr>
+          <p:cNvPicPr/>
+          <p:nvPr/>
+        </p:nvPicPr>
+        <p:blipFill>
+          <a:blip r:embed="rId5">
+            <a:extLst>
+              <a:ext uri="{28A0092B-C50C-407E-A947-70E740481C1C}">
+                <a14:useLocalDpi xmlns:a14="http://schemas.microsoft.com/office/drawing/2010/main" val="0"/>
+              </a:ext>
+            </a:extLst>
+          </a:blip>
+          <a:stretch>
+            <a:fillRect/>
+          </a:stretch>
+        </p:blipFill>
+        <p:spPr>
+          <a:xfrm>
+            <a:off x="5480638" y="1691160"/>
+            <a:ext cx="2826618" cy="2335656"/>
+          </a:xfrm>
+          <a:prstGeom prst="rect">
+            <a:avLst/>
+          </a:prstGeom>
+        </p:spPr>
+      </p:pic>
+      <p:sp>
+        <p:nvSpPr>
+          <p:cNvPr id="14" name="Rectangle 42">
+            <a:extLst>
+              <a:ext uri="{FF2B5EF4-FFF2-40B4-BE49-F238E27FC236}">
+                <a16:creationId xmlns:a16="http://schemas.microsoft.com/office/drawing/2014/main" id="{BB99D45E-5AE1-48F6-9AC2-6295D4B179E2}"/>
+              </a:ext>
+            </a:extLst>
+          </p:cNvPr>
+          <p:cNvSpPr/>
+          <p:nvPr/>
+        </p:nvSpPr>
+        <p:spPr>
+          <a:xfrm>
+            <a:off x="5549511" y="4098690"/>
+            <a:ext cx="2688871" cy="2246769"/>
+          </a:xfrm>
+          <a:prstGeom prst="rect">
+            <a:avLst/>
+          </a:prstGeom>
+        </p:spPr>
+        <p:txBody>
+          <a:bodyPr wrap="square" anchor="t">
+            <a:spAutoFit/>
+          </a:bodyPr>
+          <a:lstStyle/>
+          <a:p>
+            <a:pPr algn="just"/>
+            <a:r>
+              <a:rPr lang="es-ES" sz="2000" b="0" i="0" dirty="0">
+                <a:solidFill>
+                  <a:srgbClr val="374151"/>
+                </a:solidFill>
+                <a:effectLst/>
+                <a:latin typeface="Verdana" panose="020B0604030504040204" pitchFamily="34" charset="0"/>
+              </a:rPr>
+              <a:t>Nos aseguramos de que la interfaz sea fácil de usar, intuitiva y responda a las necesidades del usuario. </a:t>
+            </a:r>
+          </a:p>
+        </p:txBody>
+      </p:sp>
+      <p:sp>
+        <p:nvSpPr>
+          <p:cNvPr id="15" name="Rectangle 42">
+            <a:extLst>
+              <a:ext uri="{FF2B5EF4-FFF2-40B4-BE49-F238E27FC236}">
+                <a16:creationId xmlns:a16="http://schemas.microsoft.com/office/drawing/2014/main" id="{69DD4F2B-E94A-412D-822C-BF5D9C94FFBD}"/>
+              </a:ext>
+            </a:extLst>
+          </p:cNvPr>
+          <p:cNvSpPr/>
+          <p:nvPr/>
+        </p:nvSpPr>
+        <p:spPr>
+          <a:xfrm>
+            <a:off x="8908073" y="1911713"/>
+            <a:ext cx="2688871" cy="1631216"/>
+          </a:xfrm>
+          <a:prstGeom prst="rect">
+            <a:avLst/>
+          </a:prstGeom>
+        </p:spPr>
+        <p:txBody>
+          <a:bodyPr wrap="square" anchor="t">
+            <a:spAutoFit/>
+          </a:bodyPr>
+          <a:lstStyle/>
+          <a:p>
+            <a:pPr algn="just"/>
+            <a:r>
+              <a:rPr lang="es-ES" sz="2000" b="0" i="0" dirty="0">
+                <a:solidFill>
+                  <a:srgbClr val="374151"/>
+                </a:solidFill>
+                <a:effectLst/>
+                <a:latin typeface="Verdana" panose="020B0604030504040204" pitchFamily="34" charset="0"/>
+              </a:rPr>
+              <a:t>Una interfaz deficiente puede generar frustración y dificultar el uso de la misma.</a:t>
+            </a:r>
+          </a:p>
+        </p:txBody>
+      </p:sp>
     </p:spTree>
     <p:extLst>
       <p:ext uri="{BB962C8B-B14F-4D97-AF65-F5344CB8AC3E}">
